--- a/QuoteWindowsApplication/XmlExternalEntity.pptx
+++ b/QuoteWindowsApplication/XmlExternalEntity.pptx
@@ -8,20 +8,22 @@
     <p:sldId id="256" r:id="rId2"/>
     <p:sldId id="257" r:id="rId3"/>
     <p:sldId id="258" r:id="rId4"/>
-    <p:sldId id="259" r:id="rId5"/>
-    <p:sldId id="260" r:id="rId6"/>
-    <p:sldId id="261" r:id="rId7"/>
-    <p:sldId id="262" r:id="rId8"/>
-    <p:sldId id="263" r:id="rId9"/>
-    <p:sldId id="264" r:id="rId10"/>
-    <p:sldId id="265" r:id="rId11"/>
-    <p:sldId id="266" r:id="rId12"/>
-    <p:sldId id="267" r:id="rId13"/>
-    <p:sldId id="268" r:id="rId14"/>
-    <p:sldId id="269" r:id="rId15"/>
-    <p:sldId id="270" r:id="rId16"/>
-    <p:sldId id="271" r:id="rId17"/>
-    <p:sldId id="272" r:id="rId18"/>
+    <p:sldId id="273" r:id="rId5"/>
+    <p:sldId id="274" r:id="rId6"/>
+    <p:sldId id="259" r:id="rId7"/>
+    <p:sldId id="260" r:id="rId8"/>
+    <p:sldId id="261" r:id="rId9"/>
+    <p:sldId id="262" r:id="rId10"/>
+    <p:sldId id="263" r:id="rId11"/>
+    <p:sldId id="264" r:id="rId12"/>
+    <p:sldId id="265" r:id="rId13"/>
+    <p:sldId id="266" r:id="rId14"/>
+    <p:sldId id="267" r:id="rId15"/>
+    <p:sldId id="268" r:id="rId16"/>
+    <p:sldId id="269" r:id="rId17"/>
+    <p:sldId id="270" r:id="rId18"/>
+    <p:sldId id="271" r:id="rId19"/>
+    <p:sldId id="272" r:id="rId20"/>
   </p:sldIdLst>
   <p:sldSz cx="12192000" cy="6858000"/>
   <p:notesSz cx="6858000" cy="9144000"/>
@@ -3457,6 +3459,226 @@
           <p:cNvPr id="2" name="Title 1">
             <a:extLst>
               <a:ext uri="{FF2B5EF4-FFF2-40B4-BE49-F238E27FC236}">
+                <a16:creationId xmlns:a16="http://schemas.microsoft.com/office/drawing/2014/main" id="{0247BBBA-8F3B-4B3E-8AA5-48AB65331C41}"/>
+              </a:ext>
+            </a:extLst>
+          </p:cNvPr>
+          <p:cNvSpPr>
+            <a:spLocks noGrp="1"/>
+          </p:cNvSpPr>
+          <p:nvPr>
+            <p:ph type="title"/>
+          </p:nvPr>
+        </p:nvSpPr>
+        <p:spPr/>
+        <p:txBody>
+          <a:bodyPr/>
+          <a:lstStyle/>
+          <a:p>
+            <a:endParaRPr lang="en-US"/>
+          </a:p>
+        </p:txBody>
+      </p:sp>
+      <p:sp>
+        <p:nvSpPr>
+          <p:cNvPr id="3" name="Content Placeholder 2">
+            <a:extLst>
+              <a:ext uri="{FF2B5EF4-FFF2-40B4-BE49-F238E27FC236}">
+                <a16:creationId xmlns:a16="http://schemas.microsoft.com/office/drawing/2014/main" id="{B4A69EAD-9A3C-4A7F-A85B-21397312C59E}"/>
+              </a:ext>
+            </a:extLst>
+          </p:cNvPr>
+          <p:cNvSpPr>
+            <a:spLocks noGrp="1"/>
+          </p:cNvSpPr>
+          <p:nvPr>
+            <p:ph idx="1"/>
+          </p:nvPr>
+        </p:nvSpPr>
+        <p:spPr/>
+        <p:txBody>
+          <a:bodyPr/>
+          <a:lstStyle/>
+          <a:p>
+            <a:endParaRPr lang="en-US"/>
+          </a:p>
+        </p:txBody>
+      </p:sp>
+      <p:pic>
+        <p:nvPicPr>
+          <p:cNvPr id="4" name="Picture 3">
+            <a:extLst>
+              <a:ext uri="{FF2B5EF4-FFF2-40B4-BE49-F238E27FC236}">
+                <a16:creationId xmlns:a16="http://schemas.microsoft.com/office/drawing/2014/main" id="{61178F50-3BFC-4CC4-AE9E-2CE17C8F2273}"/>
+              </a:ext>
+            </a:extLst>
+          </p:cNvPr>
+          <p:cNvPicPr>
+            <a:picLocks noChangeAspect="1"/>
+          </p:cNvPicPr>
+          <p:nvPr/>
+        </p:nvPicPr>
+        <p:blipFill>
+          <a:blip r:embed="rId2"/>
+          <a:stretch>
+            <a:fillRect/>
+          </a:stretch>
+        </p:blipFill>
+        <p:spPr>
+          <a:xfrm>
+            <a:off x="0" y="794"/>
+            <a:ext cx="12408278" cy="6857206"/>
+          </a:xfrm>
+          <a:prstGeom prst="rect">
+            <a:avLst/>
+          </a:prstGeom>
+        </p:spPr>
+      </p:pic>
+    </p:spTree>
+    <p:extLst>
+      <p:ext uri="{BB962C8B-B14F-4D97-AF65-F5344CB8AC3E}">
+        <p14:creationId xmlns:p14="http://schemas.microsoft.com/office/powerpoint/2010/main" val="1581662902"/>
+      </p:ext>
+    </p:extLst>
+  </p:cSld>
+  <p:clrMapOvr>
+    <a:masterClrMapping/>
+  </p:clrMapOvr>
+</p:sld>
+</file>
+
+<file path=ppt/slides/slide11.xml><?xml version="1.0" encoding="utf-8"?>
+<p:sld xmlns:a="http://schemas.openxmlformats.org/drawingml/2006/main" xmlns:r="http://schemas.openxmlformats.org/officeDocument/2006/relationships" xmlns:p="http://schemas.openxmlformats.org/presentationml/2006/main">
+  <p:cSld>
+    <p:spTree>
+      <p:nvGrpSpPr>
+        <p:cNvPr id="1" name=""/>
+        <p:cNvGrpSpPr/>
+        <p:nvPr/>
+      </p:nvGrpSpPr>
+      <p:grpSpPr>
+        <a:xfrm>
+          <a:off x="0" y="0"/>
+          <a:ext cx="0" cy="0"/>
+          <a:chOff x="0" y="0"/>
+          <a:chExt cx="0" cy="0"/>
+        </a:xfrm>
+      </p:grpSpPr>
+      <p:sp>
+        <p:nvSpPr>
+          <p:cNvPr id="2" name="Title 1">
+            <a:extLst>
+              <a:ext uri="{FF2B5EF4-FFF2-40B4-BE49-F238E27FC236}">
+                <a16:creationId xmlns:a16="http://schemas.microsoft.com/office/drawing/2014/main" id="{586B1469-851C-49F3-94B4-D346059529E4}"/>
+              </a:ext>
+            </a:extLst>
+          </p:cNvPr>
+          <p:cNvSpPr>
+            <a:spLocks noGrp="1"/>
+          </p:cNvSpPr>
+          <p:nvPr>
+            <p:ph type="title"/>
+          </p:nvPr>
+        </p:nvSpPr>
+        <p:spPr/>
+        <p:txBody>
+          <a:bodyPr/>
+          <a:lstStyle/>
+          <a:p>
+            <a:endParaRPr lang="en-US"/>
+          </a:p>
+        </p:txBody>
+      </p:sp>
+      <p:sp>
+        <p:nvSpPr>
+          <p:cNvPr id="3" name="Content Placeholder 2">
+            <a:extLst>
+              <a:ext uri="{FF2B5EF4-FFF2-40B4-BE49-F238E27FC236}">
+                <a16:creationId xmlns:a16="http://schemas.microsoft.com/office/drawing/2014/main" id="{10FEC1D1-67AE-48EB-9EFC-4D0E41344470}"/>
+              </a:ext>
+            </a:extLst>
+          </p:cNvPr>
+          <p:cNvSpPr>
+            <a:spLocks noGrp="1"/>
+          </p:cNvSpPr>
+          <p:nvPr>
+            <p:ph idx="1"/>
+          </p:nvPr>
+        </p:nvSpPr>
+        <p:spPr/>
+        <p:txBody>
+          <a:bodyPr/>
+          <a:lstStyle/>
+          <a:p>
+            <a:endParaRPr lang="en-US"/>
+          </a:p>
+        </p:txBody>
+      </p:sp>
+      <p:pic>
+        <p:nvPicPr>
+          <p:cNvPr id="4" name="Picture 3">
+            <a:extLst>
+              <a:ext uri="{FF2B5EF4-FFF2-40B4-BE49-F238E27FC236}">
+                <a16:creationId xmlns:a16="http://schemas.microsoft.com/office/drawing/2014/main" id="{247EA718-AECB-4F0E-AD30-24824024BA1E}"/>
+              </a:ext>
+            </a:extLst>
+          </p:cNvPr>
+          <p:cNvPicPr>
+            <a:picLocks noChangeAspect="1"/>
+          </p:cNvPicPr>
+          <p:nvPr/>
+        </p:nvPicPr>
+        <p:blipFill>
+          <a:blip r:embed="rId2"/>
+          <a:stretch>
+            <a:fillRect/>
+          </a:stretch>
+        </p:blipFill>
+        <p:spPr>
+          <a:xfrm>
+            <a:off x="0" y="-1"/>
+            <a:ext cx="12192000" cy="6717711"/>
+          </a:xfrm>
+          <a:prstGeom prst="rect">
+            <a:avLst/>
+          </a:prstGeom>
+        </p:spPr>
+      </p:pic>
+    </p:spTree>
+    <p:extLst>
+      <p:ext uri="{BB962C8B-B14F-4D97-AF65-F5344CB8AC3E}">
+        <p14:creationId xmlns:p14="http://schemas.microsoft.com/office/powerpoint/2010/main" val="3400283173"/>
+      </p:ext>
+    </p:extLst>
+  </p:cSld>
+  <p:clrMapOvr>
+    <a:masterClrMapping/>
+  </p:clrMapOvr>
+</p:sld>
+</file>
+
+<file path=ppt/slides/slide12.xml><?xml version="1.0" encoding="utf-8"?>
+<p:sld xmlns:a="http://schemas.openxmlformats.org/drawingml/2006/main" xmlns:r="http://schemas.openxmlformats.org/officeDocument/2006/relationships" xmlns:p="http://schemas.openxmlformats.org/presentationml/2006/main">
+  <p:cSld>
+    <p:spTree>
+      <p:nvGrpSpPr>
+        <p:cNvPr id="1" name=""/>
+        <p:cNvGrpSpPr/>
+        <p:nvPr/>
+      </p:nvGrpSpPr>
+      <p:grpSpPr>
+        <a:xfrm>
+          <a:off x="0" y="0"/>
+          <a:ext cx="0" cy="0"/>
+          <a:chOff x="0" y="0"/>
+          <a:chExt cx="0" cy="0"/>
+        </a:xfrm>
+      </p:grpSpPr>
+      <p:sp>
+        <p:nvSpPr>
+          <p:cNvPr id="2" name="Title 1">
+            <a:extLst>
+              <a:ext uri="{FF2B5EF4-FFF2-40B4-BE49-F238E27FC236}">
                 <a16:creationId xmlns:a16="http://schemas.microsoft.com/office/drawing/2014/main" id="{AE9CDBC4-4BE0-4068-896B-77174B473332}"/>
               </a:ext>
             </a:extLst>
@@ -3545,7 +3767,7 @@
 </p:sld>
 </file>
 
-<file path=ppt/slides/slide11.xml><?xml version="1.0" encoding="utf-8"?>
+<file path=ppt/slides/slide13.xml><?xml version="1.0" encoding="utf-8"?>
 <p:sld xmlns:a="http://schemas.openxmlformats.org/drawingml/2006/main" xmlns:r="http://schemas.openxmlformats.org/officeDocument/2006/relationships" xmlns:p="http://schemas.openxmlformats.org/presentationml/2006/main">
   <p:cSld>
     <p:spTree>
@@ -3655,7 +3877,7 @@
 </p:sld>
 </file>
 
-<file path=ppt/slides/slide12.xml><?xml version="1.0" encoding="utf-8"?>
+<file path=ppt/slides/slide14.xml><?xml version="1.0" encoding="utf-8"?>
 <p:sld xmlns:a="http://schemas.openxmlformats.org/drawingml/2006/main" xmlns:r="http://schemas.openxmlformats.org/officeDocument/2006/relationships" xmlns:p="http://schemas.openxmlformats.org/presentationml/2006/main">
   <p:cSld>
     <p:spTree>
@@ -3765,7 +3987,7 @@
 </p:sld>
 </file>
 
-<file path=ppt/slides/slide13.xml><?xml version="1.0" encoding="utf-8"?>
+<file path=ppt/slides/slide15.xml><?xml version="1.0" encoding="utf-8"?>
 <p:sld xmlns:a="http://schemas.openxmlformats.org/drawingml/2006/main" xmlns:r="http://schemas.openxmlformats.org/officeDocument/2006/relationships" xmlns:p="http://schemas.openxmlformats.org/presentationml/2006/main">
   <p:cSld>
     <p:spTree>
@@ -3875,7 +4097,7 @@
 </p:sld>
 </file>
 
-<file path=ppt/slides/slide14.xml><?xml version="1.0" encoding="utf-8"?>
+<file path=ppt/slides/slide16.xml><?xml version="1.0" encoding="utf-8"?>
 <p:sld xmlns:a="http://schemas.openxmlformats.org/drawingml/2006/main" xmlns:r="http://schemas.openxmlformats.org/officeDocument/2006/relationships" xmlns:p="http://schemas.openxmlformats.org/presentationml/2006/main">
   <p:cSld>
     <p:spTree>
@@ -3985,7 +4207,7 @@
 </p:sld>
 </file>
 
-<file path=ppt/slides/slide15.xml><?xml version="1.0" encoding="utf-8"?>
+<file path=ppt/slides/slide17.xml><?xml version="1.0" encoding="utf-8"?>
 <p:sld xmlns:a="http://schemas.openxmlformats.org/drawingml/2006/main" xmlns:r="http://schemas.openxmlformats.org/officeDocument/2006/relationships" xmlns:p="http://schemas.openxmlformats.org/presentationml/2006/main">
   <p:cSld>
     <p:spTree>
@@ -4095,7 +4317,7 @@
 </p:sld>
 </file>
 
-<file path=ppt/slides/slide16.xml><?xml version="1.0" encoding="utf-8"?>
+<file path=ppt/slides/slide18.xml><?xml version="1.0" encoding="utf-8"?>
 <p:sld xmlns:a="http://schemas.openxmlformats.org/drawingml/2006/main" xmlns:r="http://schemas.openxmlformats.org/officeDocument/2006/relationships" xmlns:p="http://schemas.openxmlformats.org/presentationml/2006/main">
   <p:cSld>
     <p:spTree>
@@ -4205,7 +4427,7 @@
 </p:sld>
 </file>
 
-<file path=ppt/slides/slide17.xml><?xml version="1.0" encoding="utf-8"?>
+<file path=ppt/slides/slide19.xml><?xml version="1.0" encoding="utf-8"?>
 <p:sld xmlns:a="http://schemas.openxmlformats.org/drawingml/2006/main" xmlns:r="http://schemas.openxmlformats.org/officeDocument/2006/relationships" xmlns:p="http://schemas.openxmlformats.org/presentationml/2006/main">
   <p:cSld>
     <p:spTree>
@@ -4557,6 +4779,256 @@
           <p:cNvPr id="2" name="Title 1">
             <a:extLst>
               <a:ext uri="{FF2B5EF4-FFF2-40B4-BE49-F238E27FC236}">
+                <a16:creationId xmlns:a16="http://schemas.microsoft.com/office/drawing/2014/main" id="{B67D1B3F-1518-4C29-9A56-297864431A9C}"/>
+              </a:ext>
+            </a:extLst>
+          </p:cNvPr>
+          <p:cNvSpPr>
+            <a:spLocks noGrp="1"/>
+          </p:cNvSpPr>
+          <p:nvPr>
+            <p:ph type="title"/>
+          </p:nvPr>
+        </p:nvSpPr>
+        <p:spPr/>
+        <p:txBody>
+          <a:bodyPr/>
+          <a:lstStyle/>
+          <a:p>
+            <a:endParaRPr lang="en-US"/>
+          </a:p>
+        </p:txBody>
+      </p:sp>
+      <p:sp>
+        <p:nvSpPr>
+          <p:cNvPr id="3" name="Content Placeholder 2">
+            <a:extLst>
+              <a:ext uri="{FF2B5EF4-FFF2-40B4-BE49-F238E27FC236}">
+                <a16:creationId xmlns:a16="http://schemas.microsoft.com/office/drawing/2014/main" id="{CB64C557-BA78-49E7-8327-164DEA92786E}"/>
+              </a:ext>
+            </a:extLst>
+          </p:cNvPr>
+          <p:cNvSpPr>
+            <a:spLocks noGrp="1"/>
+          </p:cNvSpPr>
+          <p:nvPr>
+            <p:ph idx="1"/>
+          </p:nvPr>
+        </p:nvSpPr>
+        <p:spPr/>
+        <p:txBody>
+          <a:bodyPr/>
+          <a:lstStyle/>
+          <a:p>
+            <a:endParaRPr lang="en-US"/>
+          </a:p>
+        </p:txBody>
+      </p:sp>
+      <p:pic>
+        <p:nvPicPr>
+          <p:cNvPr id="4" name="Picture 3">
+            <a:extLst>
+              <a:ext uri="{FF2B5EF4-FFF2-40B4-BE49-F238E27FC236}">
+                <a16:creationId xmlns:a16="http://schemas.microsoft.com/office/drawing/2014/main" id="{33172BD8-3391-4F62-8873-11A6C2B979D2}"/>
+              </a:ext>
+            </a:extLst>
+          </p:cNvPr>
+          <p:cNvPicPr>
+            <a:picLocks noChangeAspect="1"/>
+          </p:cNvPicPr>
+          <p:nvPr/>
+        </p:nvPicPr>
+        <p:blipFill>
+          <a:blip r:embed="rId2"/>
+          <a:stretch>
+            <a:fillRect/>
+          </a:stretch>
+        </p:blipFill>
+        <p:spPr>
+          <a:xfrm>
+            <a:off x="0" y="137251"/>
+            <a:ext cx="5277798" cy="4563336"/>
+          </a:xfrm>
+          <a:prstGeom prst="rect">
+            <a:avLst/>
+          </a:prstGeom>
+        </p:spPr>
+      </p:pic>
+      <p:pic>
+        <p:nvPicPr>
+          <p:cNvPr id="6" name="Picture 5">
+            <a:extLst>
+              <a:ext uri="{FF2B5EF4-FFF2-40B4-BE49-F238E27FC236}">
+                <a16:creationId xmlns:a16="http://schemas.microsoft.com/office/drawing/2014/main" id="{36E75765-5FDB-4349-B75C-EA01ABD4498F}"/>
+              </a:ext>
+            </a:extLst>
+          </p:cNvPr>
+          <p:cNvPicPr>
+            <a:picLocks noChangeAspect="1"/>
+          </p:cNvPicPr>
+          <p:nvPr/>
+        </p:nvPicPr>
+        <p:blipFill>
+          <a:blip r:embed="rId3"/>
+          <a:stretch>
+            <a:fillRect/>
+          </a:stretch>
+        </p:blipFill>
+        <p:spPr>
+          <a:xfrm>
+            <a:off x="5683507" y="1690688"/>
+            <a:ext cx="6288473" cy="2884918"/>
+          </a:xfrm>
+          <a:prstGeom prst="rect">
+            <a:avLst/>
+          </a:prstGeom>
+        </p:spPr>
+      </p:pic>
+    </p:spTree>
+    <p:extLst>
+      <p:ext uri="{BB962C8B-B14F-4D97-AF65-F5344CB8AC3E}">
+        <p14:creationId xmlns:p14="http://schemas.microsoft.com/office/powerpoint/2010/main" val="4012306408"/>
+      </p:ext>
+    </p:extLst>
+  </p:cSld>
+  <p:clrMapOvr>
+    <a:masterClrMapping/>
+  </p:clrMapOvr>
+</p:sld>
+</file>
+
+<file path=ppt/slides/slide5.xml><?xml version="1.0" encoding="utf-8"?>
+<p:sld xmlns:a="http://schemas.openxmlformats.org/drawingml/2006/main" xmlns:r="http://schemas.openxmlformats.org/officeDocument/2006/relationships" xmlns:p="http://schemas.openxmlformats.org/presentationml/2006/main">
+  <p:cSld>
+    <p:spTree>
+      <p:nvGrpSpPr>
+        <p:cNvPr id="1" name=""/>
+        <p:cNvGrpSpPr/>
+        <p:nvPr/>
+      </p:nvGrpSpPr>
+      <p:grpSpPr>
+        <a:xfrm>
+          <a:off x="0" y="0"/>
+          <a:ext cx="0" cy="0"/>
+          <a:chOff x="0" y="0"/>
+          <a:chExt cx="0" cy="0"/>
+        </a:xfrm>
+      </p:grpSpPr>
+      <p:sp>
+        <p:nvSpPr>
+          <p:cNvPr id="2" name="Title 1">
+            <a:extLst>
+              <a:ext uri="{FF2B5EF4-FFF2-40B4-BE49-F238E27FC236}">
+                <a16:creationId xmlns:a16="http://schemas.microsoft.com/office/drawing/2014/main" id="{18D32507-FDDF-42FE-8BFC-E27EC7149BBF}"/>
+              </a:ext>
+            </a:extLst>
+          </p:cNvPr>
+          <p:cNvSpPr>
+            <a:spLocks noGrp="1"/>
+          </p:cNvSpPr>
+          <p:nvPr>
+            <p:ph type="title"/>
+          </p:nvPr>
+        </p:nvSpPr>
+        <p:spPr/>
+        <p:txBody>
+          <a:bodyPr/>
+          <a:lstStyle/>
+          <a:p>
+            <a:endParaRPr lang="en-US"/>
+          </a:p>
+        </p:txBody>
+      </p:sp>
+      <p:sp>
+        <p:nvSpPr>
+          <p:cNvPr id="3" name="Content Placeholder 2">
+            <a:extLst>
+              <a:ext uri="{FF2B5EF4-FFF2-40B4-BE49-F238E27FC236}">
+                <a16:creationId xmlns:a16="http://schemas.microsoft.com/office/drawing/2014/main" id="{ACF8AF68-E5BA-4E04-AAAB-A4E6795D954E}"/>
+              </a:ext>
+            </a:extLst>
+          </p:cNvPr>
+          <p:cNvSpPr>
+            <a:spLocks noGrp="1"/>
+          </p:cNvSpPr>
+          <p:nvPr>
+            <p:ph idx="1"/>
+          </p:nvPr>
+        </p:nvSpPr>
+        <p:spPr/>
+        <p:txBody>
+          <a:bodyPr/>
+          <a:lstStyle/>
+          <a:p>
+            <a:endParaRPr lang="en-US"/>
+          </a:p>
+        </p:txBody>
+      </p:sp>
+      <p:pic>
+        <p:nvPicPr>
+          <p:cNvPr id="4" name="Picture 3">
+            <a:extLst>
+              <a:ext uri="{FF2B5EF4-FFF2-40B4-BE49-F238E27FC236}">
+                <a16:creationId xmlns:a16="http://schemas.microsoft.com/office/drawing/2014/main" id="{2F472E20-9877-44BD-BFFD-693262BC3590}"/>
+              </a:ext>
+            </a:extLst>
+          </p:cNvPr>
+          <p:cNvPicPr>
+            <a:picLocks noChangeAspect="1"/>
+          </p:cNvPicPr>
+          <p:nvPr/>
+        </p:nvPicPr>
+        <p:blipFill>
+          <a:blip r:embed="rId2"/>
+          <a:stretch>
+            <a:fillRect/>
+          </a:stretch>
+        </p:blipFill>
+        <p:spPr>
+          <a:xfrm>
+            <a:off x="180571" y="139969"/>
+            <a:ext cx="6737660" cy="3657116"/>
+          </a:xfrm>
+          <a:prstGeom prst="rect">
+            <a:avLst/>
+          </a:prstGeom>
+        </p:spPr>
+      </p:pic>
+    </p:spTree>
+    <p:extLst>
+      <p:ext uri="{BB962C8B-B14F-4D97-AF65-F5344CB8AC3E}">
+        <p14:creationId xmlns:p14="http://schemas.microsoft.com/office/powerpoint/2010/main" val="2199306540"/>
+      </p:ext>
+    </p:extLst>
+  </p:cSld>
+  <p:clrMapOvr>
+    <a:masterClrMapping/>
+  </p:clrMapOvr>
+</p:sld>
+</file>
+
+<file path=ppt/slides/slide6.xml><?xml version="1.0" encoding="utf-8"?>
+<p:sld xmlns:a="http://schemas.openxmlformats.org/drawingml/2006/main" xmlns:r="http://schemas.openxmlformats.org/officeDocument/2006/relationships" xmlns:p="http://schemas.openxmlformats.org/presentationml/2006/main">
+  <p:cSld>
+    <p:spTree>
+      <p:nvGrpSpPr>
+        <p:cNvPr id="1" name=""/>
+        <p:cNvGrpSpPr/>
+        <p:nvPr/>
+      </p:nvGrpSpPr>
+      <p:grpSpPr>
+        <a:xfrm>
+          <a:off x="0" y="0"/>
+          <a:ext cx="0" cy="0"/>
+          <a:chOff x="0" y="0"/>
+          <a:chExt cx="0" cy="0"/>
+        </a:xfrm>
+      </p:grpSpPr>
+      <p:sp>
+        <p:nvSpPr>
+          <p:cNvPr id="2" name="Title 1">
+            <a:extLst>
+              <a:ext uri="{FF2B5EF4-FFF2-40B4-BE49-F238E27FC236}">
                 <a16:creationId xmlns:a16="http://schemas.microsoft.com/office/drawing/2014/main" id="{B41CEBA3-EF22-4B95-8011-4A706BC49EB9}"/>
               </a:ext>
             </a:extLst>
@@ -4645,7 +5117,7 @@
 </p:sld>
 </file>
 
-<file path=ppt/slides/slide5.xml><?xml version="1.0" encoding="utf-8"?>
+<file path=ppt/slides/slide7.xml><?xml version="1.0" encoding="utf-8"?>
 <p:sld xmlns:a="http://schemas.openxmlformats.org/drawingml/2006/main" xmlns:r="http://schemas.openxmlformats.org/officeDocument/2006/relationships" xmlns:p="http://schemas.openxmlformats.org/presentationml/2006/main">
   <p:cSld>
     <p:spTree>
@@ -4755,7 +5227,7 @@
 </p:sld>
 </file>
 
-<file path=ppt/slides/slide6.xml><?xml version="1.0" encoding="utf-8"?>
+<file path=ppt/slides/slide8.xml><?xml version="1.0" encoding="utf-8"?>
 <p:sld xmlns:a="http://schemas.openxmlformats.org/drawingml/2006/main" xmlns:r="http://schemas.openxmlformats.org/officeDocument/2006/relationships" xmlns:p="http://schemas.openxmlformats.org/presentationml/2006/main">
   <p:cSld>
     <p:spTree>
@@ -4865,7 +5337,7 @@
 </p:sld>
 </file>
 
-<file path=ppt/slides/slide7.xml><?xml version="1.0" encoding="utf-8"?>
+<file path=ppt/slides/slide9.xml><?xml version="1.0" encoding="utf-8"?>
 <p:sld xmlns:a="http://schemas.openxmlformats.org/drawingml/2006/main" xmlns:r="http://schemas.openxmlformats.org/officeDocument/2006/relationships" xmlns:p="http://schemas.openxmlformats.org/presentationml/2006/main">
   <p:cSld>
     <p:spTree>
@@ -4966,226 +5438,6 @@
     <p:extLst>
       <p:ext uri="{BB962C8B-B14F-4D97-AF65-F5344CB8AC3E}">
         <p14:creationId xmlns:p14="http://schemas.microsoft.com/office/powerpoint/2010/main" val="2296781223"/>
-      </p:ext>
-    </p:extLst>
-  </p:cSld>
-  <p:clrMapOvr>
-    <a:masterClrMapping/>
-  </p:clrMapOvr>
-</p:sld>
-</file>
-
-<file path=ppt/slides/slide8.xml><?xml version="1.0" encoding="utf-8"?>
-<p:sld xmlns:a="http://schemas.openxmlformats.org/drawingml/2006/main" xmlns:r="http://schemas.openxmlformats.org/officeDocument/2006/relationships" xmlns:p="http://schemas.openxmlformats.org/presentationml/2006/main">
-  <p:cSld>
-    <p:spTree>
-      <p:nvGrpSpPr>
-        <p:cNvPr id="1" name=""/>
-        <p:cNvGrpSpPr/>
-        <p:nvPr/>
-      </p:nvGrpSpPr>
-      <p:grpSpPr>
-        <a:xfrm>
-          <a:off x="0" y="0"/>
-          <a:ext cx="0" cy="0"/>
-          <a:chOff x="0" y="0"/>
-          <a:chExt cx="0" cy="0"/>
-        </a:xfrm>
-      </p:grpSpPr>
-      <p:sp>
-        <p:nvSpPr>
-          <p:cNvPr id="2" name="Title 1">
-            <a:extLst>
-              <a:ext uri="{FF2B5EF4-FFF2-40B4-BE49-F238E27FC236}">
-                <a16:creationId xmlns:a16="http://schemas.microsoft.com/office/drawing/2014/main" id="{0247BBBA-8F3B-4B3E-8AA5-48AB65331C41}"/>
-              </a:ext>
-            </a:extLst>
-          </p:cNvPr>
-          <p:cNvSpPr>
-            <a:spLocks noGrp="1"/>
-          </p:cNvSpPr>
-          <p:nvPr>
-            <p:ph type="title"/>
-          </p:nvPr>
-        </p:nvSpPr>
-        <p:spPr/>
-        <p:txBody>
-          <a:bodyPr/>
-          <a:lstStyle/>
-          <a:p>
-            <a:endParaRPr lang="en-US"/>
-          </a:p>
-        </p:txBody>
-      </p:sp>
-      <p:sp>
-        <p:nvSpPr>
-          <p:cNvPr id="3" name="Content Placeholder 2">
-            <a:extLst>
-              <a:ext uri="{FF2B5EF4-FFF2-40B4-BE49-F238E27FC236}">
-                <a16:creationId xmlns:a16="http://schemas.microsoft.com/office/drawing/2014/main" id="{B4A69EAD-9A3C-4A7F-A85B-21397312C59E}"/>
-              </a:ext>
-            </a:extLst>
-          </p:cNvPr>
-          <p:cNvSpPr>
-            <a:spLocks noGrp="1"/>
-          </p:cNvSpPr>
-          <p:nvPr>
-            <p:ph idx="1"/>
-          </p:nvPr>
-        </p:nvSpPr>
-        <p:spPr/>
-        <p:txBody>
-          <a:bodyPr/>
-          <a:lstStyle/>
-          <a:p>
-            <a:endParaRPr lang="en-US"/>
-          </a:p>
-        </p:txBody>
-      </p:sp>
-      <p:pic>
-        <p:nvPicPr>
-          <p:cNvPr id="4" name="Picture 3">
-            <a:extLst>
-              <a:ext uri="{FF2B5EF4-FFF2-40B4-BE49-F238E27FC236}">
-                <a16:creationId xmlns:a16="http://schemas.microsoft.com/office/drawing/2014/main" id="{61178F50-3BFC-4CC4-AE9E-2CE17C8F2273}"/>
-              </a:ext>
-            </a:extLst>
-          </p:cNvPr>
-          <p:cNvPicPr>
-            <a:picLocks noChangeAspect="1"/>
-          </p:cNvPicPr>
-          <p:nvPr/>
-        </p:nvPicPr>
-        <p:blipFill>
-          <a:blip r:embed="rId2"/>
-          <a:stretch>
-            <a:fillRect/>
-          </a:stretch>
-        </p:blipFill>
-        <p:spPr>
-          <a:xfrm>
-            <a:off x="0" y="794"/>
-            <a:ext cx="12408278" cy="6857206"/>
-          </a:xfrm>
-          <a:prstGeom prst="rect">
-            <a:avLst/>
-          </a:prstGeom>
-        </p:spPr>
-      </p:pic>
-    </p:spTree>
-    <p:extLst>
-      <p:ext uri="{BB962C8B-B14F-4D97-AF65-F5344CB8AC3E}">
-        <p14:creationId xmlns:p14="http://schemas.microsoft.com/office/powerpoint/2010/main" val="1581662902"/>
-      </p:ext>
-    </p:extLst>
-  </p:cSld>
-  <p:clrMapOvr>
-    <a:masterClrMapping/>
-  </p:clrMapOvr>
-</p:sld>
-</file>
-
-<file path=ppt/slides/slide9.xml><?xml version="1.0" encoding="utf-8"?>
-<p:sld xmlns:a="http://schemas.openxmlformats.org/drawingml/2006/main" xmlns:r="http://schemas.openxmlformats.org/officeDocument/2006/relationships" xmlns:p="http://schemas.openxmlformats.org/presentationml/2006/main">
-  <p:cSld>
-    <p:spTree>
-      <p:nvGrpSpPr>
-        <p:cNvPr id="1" name=""/>
-        <p:cNvGrpSpPr/>
-        <p:nvPr/>
-      </p:nvGrpSpPr>
-      <p:grpSpPr>
-        <a:xfrm>
-          <a:off x="0" y="0"/>
-          <a:ext cx="0" cy="0"/>
-          <a:chOff x="0" y="0"/>
-          <a:chExt cx="0" cy="0"/>
-        </a:xfrm>
-      </p:grpSpPr>
-      <p:sp>
-        <p:nvSpPr>
-          <p:cNvPr id="2" name="Title 1">
-            <a:extLst>
-              <a:ext uri="{FF2B5EF4-FFF2-40B4-BE49-F238E27FC236}">
-                <a16:creationId xmlns:a16="http://schemas.microsoft.com/office/drawing/2014/main" id="{586B1469-851C-49F3-94B4-D346059529E4}"/>
-              </a:ext>
-            </a:extLst>
-          </p:cNvPr>
-          <p:cNvSpPr>
-            <a:spLocks noGrp="1"/>
-          </p:cNvSpPr>
-          <p:nvPr>
-            <p:ph type="title"/>
-          </p:nvPr>
-        </p:nvSpPr>
-        <p:spPr/>
-        <p:txBody>
-          <a:bodyPr/>
-          <a:lstStyle/>
-          <a:p>
-            <a:endParaRPr lang="en-US"/>
-          </a:p>
-        </p:txBody>
-      </p:sp>
-      <p:sp>
-        <p:nvSpPr>
-          <p:cNvPr id="3" name="Content Placeholder 2">
-            <a:extLst>
-              <a:ext uri="{FF2B5EF4-FFF2-40B4-BE49-F238E27FC236}">
-                <a16:creationId xmlns:a16="http://schemas.microsoft.com/office/drawing/2014/main" id="{10FEC1D1-67AE-48EB-9EFC-4D0E41344470}"/>
-              </a:ext>
-            </a:extLst>
-          </p:cNvPr>
-          <p:cNvSpPr>
-            <a:spLocks noGrp="1"/>
-          </p:cNvSpPr>
-          <p:nvPr>
-            <p:ph idx="1"/>
-          </p:nvPr>
-        </p:nvSpPr>
-        <p:spPr/>
-        <p:txBody>
-          <a:bodyPr/>
-          <a:lstStyle/>
-          <a:p>
-            <a:endParaRPr lang="en-US"/>
-          </a:p>
-        </p:txBody>
-      </p:sp>
-      <p:pic>
-        <p:nvPicPr>
-          <p:cNvPr id="4" name="Picture 3">
-            <a:extLst>
-              <a:ext uri="{FF2B5EF4-FFF2-40B4-BE49-F238E27FC236}">
-                <a16:creationId xmlns:a16="http://schemas.microsoft.com/office/drawing/2014/main" id="{247EA718-AECB-4F0E-AD30-24824024BA1E}"/>
-              </a:ext>
-            </a:extLst>
-          </p:cNvPr>
-          <p:cNvPicPr>
-            <a:picLocks noChangeAspect="1"/>
-          </p:cNvPicPr>
-          <p:nvPr/>
-        </p:nvPicPr>
-        <p:blipFill>
-          <a:blip r:embed="rId2"/>
-          <a:stretch>
-            <a:fillRect/>
-          </a:stretch>
-        </p:blipFill>
-        <p:spPr>
-          <a:xfrm>
-            <a:off x="0" y="-1"/>
-            <a:ext cx="12192000" cy="6717711"/>
-          </a:xfrm>
-          <a:prstGeom prst="rect">
-            <a:avLst/>
-          </a:prstGeom>
-        </p:spPr>
-      </p:pic>
-    </p:spTree>
-    <p:extLst>
-      <p:ext uri="{BB962C8B-B14F-4D97-AF65-F5344CB8AC3E}">
-        <p14:creationId xmlns:p14="http://schemas.microsoft.com/office/powerpoint/2010/main" val="3400283173"/>
       </p:ext>
     </p:extLst>
   </p:cSld>

--- a/QuoteWindowsApplication/XmlExternalEntity.pptx
+++ b/QuoteWindowsApplication/XmlExternalEntity.pptx
@@ -10,20 +10,24 @@
     <p:sldId id="258" r:id="rId4"/>
     <p:sldId id="273" r:id="rId5"/>
     <p:sldId id="274" r:id="rId6"/>
-    <p:sldId id="259" r:id="rId7"/>
-    <p:sldId id="260" r:id="rId8"/>
-    <p:sldId id="261" r:id="rId9"/>
-    <p:sldId id="262" r:id="rId10"/>
-    <p:sldId id="263" r:id="rId11"/>
-    <p:sldId id="264" r:id="rId12"/>
-    <p:sldId id="265" r:id="rId13"/>
-    <p:sldId id="266" r:id="rId14"/>
-    <p:sldId id="267" r:id="rId15"/>
-    <p:sldId id="268" r:id="rId16"/>
-    <p:sldId id="269" r:id="rId17"/>
-    <p:sldId id="270" r:id="rId18"/>
-    <p:sldId id="271" r:id="rId19"/>
-    <p:sldId id="272" r:id="rId20"/>
+    <p:sldId id="276" r:id="rId7"/>
+    <p:sldId id="259" r:id="rId8"/>
+    <p:sldId id="260" r:id="rId9"/>
+    <p:sldId id="261" r:id="rId10"/>
+    <p:sldId id="262" r:id="rId11"/>
+    <p:sldId id="263" r:id="rId12"/>
+    <p:sldId id="264" r:id="rId13"/>
+    <p:sldId id="265" r:id="rId14"/>
+    <p:sldId id="266" r:id="rId15"/>
+    <p:sldId id="275" r:id="rId16"/>
+    <p:sldId id="267" r:id="rId17"/>
+    <p:sldId id="268" r:id="rId18"/>
+    <p:sldId id="269" r:id="rId19"/>
+    <p:sldId id="270" r:id="rId20"/>
+    <p:sldId id="271" r:id="rId21"/>
+    <p:sldId id="272" r:id="rId22"/>
+    <p:sldId id="277" r:id="rId23"/>
+    <p:sldId id="278" r:id="rId24"/>
   </p:sldIdLst>
   <p:sldSz cx="12192000" cy="6858000"/>
   <p:notesSz cx="6858000" cy="9144000"/>
@@ -277,7 +281,7 @@
           <a:p>
             <a:fld id="{2671BF9E-3608-4E4B-9FE9-EA331CD362E4}" type="datetimeFigureOut">
               <a:rPr lang="en-US" smtClean="0"/>
-              <a:t>26-Apr-20</a:t>
+              <a:t>4/28/2020</a:t>
             </a:fld>
             <a:endParaRPr lang="en-US"/>
           </a:p>
@@ -331,7 +335,7 @@
           <a:p>
             <a:fld id="{FD4E6434-BD5D-4874-8F2E-2DD9FA1099ED}" type="slidenum">
               <a:rPr lang="en-US" smtClean="0"/>
-              <a:t>‹#›</a:t>
+              <a:t>‹Nr.›</a:t>
             </a:fld>
             <a:endParaRPr lang="en-US"/>
           </a:p>
@@ -475,7 +479,7 @@
           <a:p>
             <a:fld id="{2671BF9E-3608-4E4B-9FE9-EA331CD362E4}" type="datetimeFigureOut">
               <a:rPr lang="en-US" smtClean="0"/>
-              <a:t>26-Apr-20</a:t>
+              <a:t>4/28/2020</a:t>
             </a:fld>
             <a:endParaRPr lang="en-US"/>
           </a:p>
@@ -529,7 +533,7 @@
           <a:p>
             <a:fld id="{FD4E6434-BD5D-4874-8F2E-2DD9FA1099ED}" type="slidenum">
               <a:rPr lang="en-US" smtClean="0"/>
-              <a:t>‹#›</a:t>
+              <a:t>‹Nr.›</a:t>
             </a:fld>
             <a:endParaRPr lang="en-US"/>
           </a:p>
@@ -683,7 +687,7 @@
           <a:p>
             <a:fld id="{2671BF9E-3608-4E4B-9FE9-EA331CD362E4}" type="datetimeFigureOut">
               <a:rPr lang="en-US" smtClean="0"/>
-              <a:t>26-Apr-20</a:t>
+              <a:t>4/28/2020</a:t>
             </a:fld>
             <a:endParaRPr lang="en-US"/>
           </a:p>
@@ -737,7 +741,7 @@
           <a:p>
             <a:fld id="{FD4E6434-BD5D-4874-8F2E-2DD9FA1099ED}" type="slidenum">
               <a:rPr lang="en-US" smtClean="0"/>
-              <a:t>‹#›</a:t>
+              <a:t>‹Nr.›</a:t>
             </a:fld>
             <a:endParaRPr lang="en-US"/>
           </a:p>
@@ -881,7 +885,7 @@
           <a:p>
             <a:fld id="{2671BF9E-3608-4E4B-9FE9-EA331CD362E4}" type="datetimeFigureOut">
               <a:rPr lang="en-US" smtClean="0"/>
-              <a:t>26-Apr-20</a:t>
+              <a:t>4/28/2020</a:t>
             </a:fld>
             <a:endParaRPr lang="en-US"/>
           </a:p>
@@ -935,7 +939,7 @@
           <a:p>
             <a:fld id="{FD4E6434-BD5D-4874-8F2E-2DD9FA1099ED}" type="slidenum">
               <a:rPr lang="en-US" smtClean="0"/>
-              <a:t>‹#›</a:t>
+              <a:t>‹Nr.›</a:t>
             </a:fld>
             <a:endParaRPr lang="en-US"/>
           </a:p>
@@ -1156,7 +1160,7 @@
           <a:p>
             <a:fld id="{2671BF9E-3608-4E4B-9FE9-EA331CD362E4}" type="datetimeFigureOut">
               <a:rPr lang="en-US" smtClean="0"/>
-              <a:t>26-Apr-20</a:t>
+              <a:t>4/28/2020</a:t>
             </a:fld>
             <a:endParaRPr lang="en-US"/>
           </a:p>
@@ -1210,7 +1214,7 @@
           <a:p>
             <a:fld id="{FD4E6434-BD5D-4874-8F2E-2DD9FA1099ED}" type="slidenum">
               <a:rPr lang="en-US" smtClean="0"/>
-              <a:t>‹#›</a:t>
+              <a:t>‹Nr.›</a:t>
             </a:fld>
             <a:endParaRPr lang="en-US"/>
           </a:p>
@@ -1421,7 +1425,7 @@
           <a:p>
             <a:fld id="{2671BF9E-3608-4E4B-9FE9-EA331CD362E4}" type="datetimeFigureOut">
               <a:rPr lang="en-US" smtClean="0"/>
-              <a:t>26-Apr-20</a:t>
+              <a:t>4/28/2020</a:t>
             </a:fld>
             <a:endParaRPr lang="en-US"/>
           </a:p>
@@ -1475,7 +1479,7 @@
           <a:p>
             <a:fld id="{FD4E6434-BD5D-4874-8F2E-2DD9FA1099ED}" type="slidenum">
               <a:rPr lang="en-US" smtClean="0"/>
-              <a:t>‹#›</a:t>
+              <a:t>‹Nr.›</a:t>
             </a:fld>
             <a:endParaRPr lang="en-US"/>
           </a:p>
@@ -1833,7 +1837,7 @@
           <a:p>
             <a:fld id="{2671BF9E-3608-4E4B-9FE9-EA331CD362E4}" type="datetimeFigureOut">
               <a:rPr lang="en-US" smtClean="0"/>
-              <a:t>26-Apr-20</a:t>
+              <a:t>4/28/2020</a:t>
             </a:fld>
             <a:endParaRPr lang="en-US"/>
           </a:p>
@@ -1887,7 +1891,7 @@
           <a:p>
             <a:fld id="{FD4E6434-BD5D-4874-8F2E-2DD9FA1099ED}" type="slidenum">
               <a:rPr lang="en-US" smtClean="0"/>
-              <a:t>‹#›</a:t>
+              <a:t>‹Nr.›</a:t>
             </a:fld>
             <a:endParaRPr lang="en-US"/>
           </a:p>
@@ -1974,7 +1978,7 @@
           <a:p>
             <a:fld id="{2671BF9E-3608-4E4B-9FE9-EA331CD362E4}" type="datetimeFigureOut">
               <a:rPr lang="en-US" smtClean="0"/>
-              <a:t>26-Apr-20</a:t>
+              <a:t>4/28/2020</a:t>
             </a:fld>
             <a:endParaRPr lang="en-US"/>
           </a:p>
@@ -2028,7 +2032,7 @@
           <a:p>
             <a:fld id="{FD4E6434-BD5D-4874-8F2E-2DD9FA1099ED}" type="slidenum">
               <a:rPr lang="en-US" smtClean="0"/>
-              <a:t>‹#›</a:t>
+              <a:t>‹Nr.›</a:t>
             </a:fld>
             <a:endParaRPr lang="en-US"/>
           </a:p>
@@ -2087,7 +2091,7 @@
           <a:p>
             <a:fld id="{2671BF9E-3608-4E4B-9FE9-EA331CD362E4}" type="datetimeFigureOut">
               <a:rPr lang="en-US" smtClean="0"/>
-              <a:t>26-Apr-20</a:t>
+              <a:t>4/28/2020</a:t>
             </a:fld>
             <a:endParaRPr lang="en-US"/>
           </a:p>
@@ -2141,7 +2145,7 @@
           <a:p>
             <a:fld id="{FD4E6434-BD5D-4874-8F2E-2DD9FA1099ED}" type="slidenum">
               <a:rPr lang="en-US" smtClean="0"/>
-              <a:t>‹#›</a:t>
+              <a:t>‹Nr.›</a:t>
             </a:fld>
             <a:endParaRPr lang="en-US"/>
           </a:p>
@@ -2398,7 +2402,7 @@
           <a:p>
             <a:fld id="{2671BF9E-3608-4E4B-9FE9-EA331CD362E4}" type="datetimeFigureOut">
               <a:rPr lang="en-US" smtClean="0"/>
-              <a:t>26-Apr-20</a:t>
+              <a:t>4/28/2020</a:t>
             </a:fld>
             <a:endParaRPr lang="en-US"/>
           </a:p>
@@ -2452,7 +2456,7 @@
           <a:p>
             <a:fld id="{FD4E6434-BD5D-4874-8F2E-2DD9FA1099ED}" type="slidenum">
               <a:rPr lang="en-US" smtClean="0"/>
-              <a:t>‹#›</a:t>
+              <a:t>‹Nr.›</a:t>
             </a:fld>
             <a:endParaRPr lang="en-US"/>
           </a:p>
@@ -2686,7 +2690,7 @@
           <a:p>
             <a:fld id="{2671BF9E-3608-4E4B-9FE9-EA331CD362E4}" type="datetimeFigureOut">
               <a:rPr lang="en-US" smtClean="0"/>
-              <a:t>26-Apr-20</a:t>
+              <a:t>4/28/2020</a:t>
             </a:fld>
             <a:endParaRPr lang="en-US"/>
           </a:p>
@@ -2740,7 +2744,7 @@
           <a:p>
             <a:fld id="{FD4E6434-BD5D-4874-8F2E-2DD9FA1099ED}" type="slidenum">
               <a:rPr lang="en-US" smtClean="0"/>
-              <a:t>‹#›</a:t>
+              <a:t>‹Nr.›</a:t>
             </a:fld>
             <a:endParaRPr lang="en-US"/>
           </a:p>
@@ -2927,7 +2931,7 @@
           <a:p>
             <a:fld id="{2671BF9E-3608-4E4B-9FE9-EA331CD362E4}" type="datetimeFigureOut">
               <a:rPr lang="en-US" smtClean="0"/>
-              <a:t>26-Apr-20</a:t>
+              <a:t>4/28/2020</a:t>
             </a:fld>
             <a:endParaRPr lang="en-US"/>
           </a:p>
@@ -3017,7 +3021,7 @@
           <a:p>
             <a:fld id="{FD4E6434-BD5D-4874-8F2E-2DD9FA1099ED}" type="slidenum">
               <a:rPr lang="en-US" smtClean="0"/>
-              <a:t>‹#›</a:t>
+              <a:t>‹Nr.›</a:t>
             </a:fld>
             <a:endParaRPr lang="en-US"/>
           </a:p>
@@ -3459,6 +3463,116 @@
           <p:cNvPr id="2" name="Title 1">
             <a:extLst>
               <a:ext uri="{FF2B5EF4-FFF2-40B4-BE49-F238E27FC236}">
+                <a16:creationId xmlns:a16="http://schemas.microsoft.com/office/drawing/2014/main" id="{0F013DBB-9FEA-401C-A72A-B194170918DD}"/>
+              </a:ext>
+            </a:extLst>
+          </p:cNvPr>
+          <p:cNvSpPr>
+            <a:spLocks noGrp="1"/>
+          </p:cNvSpPr>
+          <p:nvPr>
+            <p:ph type="title"/>
+          </p:nvPr>
+        </p:nvSpPr>
+        <p:spPr/>
+        <p:txBody>
+          <a:bodyPr/>
+          <a:lstStyle/>
+          <a:p>
+            <a:endParaRPr lang="en-US"/>
+          </a:p>
+        </p:txBody>
+      </p:sp>
+      <p:sp>
+        <p:nvSpPr>
+          <p:cNvPr id="3" name="Content Placeholder 2">
+            <a:extLst>
+              <a:ext uri="{FF2B5EF4-FFF2-40B4-BE49-F238E27FC236}">
+                <a16:creationId xmlns:a16="http://schemas.microsoft.com/office/drawing/2014/main" id="{E8E64700-C614-40A1-9833-026DEABEB847}"/>
+              </a:ext>
+            </a:extLst>
+          </p:cNvPr>
+          <p:cNvSpPr>
+            <a:spLocks noGrp="1"/>
+          </p:cNvSpPr>
+          <p:nvPr>
+            <p:ph idx="1"/>
+          </p:nvPr>
+        </p:nvSpPr>
+        <p:spPr/>
+        <p:txBody>
+          <a:bodyPr/>
+          <a:lstStyle/>
+          <a:p>
+            <a:endParaRPr lang="en-US"/>
+          </a:p>
+        </p:txBody>
+      </p:sp>
+      <p:pic>
+        <p:nvPicPr>
+          <p:cNvPr id="4" name="Picture 3">
+            <a:extLst>
+              <a:ext uri="{FF2B5EF4-FFF2-40B4-BE49-F238E27FC236}">
+                <a16:creationId xmlns:a16="http://schemas.microsoft.com/office/drawing/2014/main" id="{6CF9E74A-348F-4848-A9F6-D69F90E3E31E}"/>
+              </a:ext>
+            </a:extLst>
+          </p:cNvPr>
+          <p:cNvPicPr>
+            <a:picLocks noChangeAspect="1"/>
+          </p:cNvPicPr>
+          <p:nvPr/>
+        </p:nvPicPr>
+        <p:blipFill>
+          <a:blip r:embed="rId2"/>
+          <a:stretch>
+            <a:fillRect/>
+          </a:stretch>
+        </p:blipFill>
+        <p:spPr>
+          <a:xfrm>
+            <a:off x="0" y="-8731"/>
+            <a:ext cx="12379688" cy="6866731"/>
+          </a:xfrm>
+          <a:prstGeom prst="rect">
+            <a:avLst/>
+          </a:prstGeom>
+        </p:spPr>
+      </p:pic>
+    </p:spTree>
+    <p:extLst>
+      <p:ext uri="{BB962C8B-B14F-4D97-AF65-F5344CB8AC3E}">
+        <p14:creationId xmlns:p14="http://schemas.microsoft.com/office/powerpoint/2010/main" val="2296781223"/>
+      </p:ext>
+    </p:extLst>
+  </p:cSld>
+  <p:clrMapOvr>
+    <a:masterClrMapping/>
+  </p:clrMapOvr>
+</p:sld>
+</file>
+
+<file path=ppt/slides/slide11.xml><?xml version="1.0" encoding="utf-8"?>
+<p:sld xmlns:a="http://schemas.openxmlformats.org/drawingml/2006/main" xmlns:r="http://schemas.openxmlformats.org/officeDocument/2006/relationships" xmlns:p="http://schemas.openxmlformats.org/presentationml/2006/main">
+  <p:cSld>
+    <p:spTree>
+      <p:nvGrpSpPr>
+        <p:cNvPr id="1" name=""/>
+        <p:cNvGrpSpPr/>
+        <p:nvPr/>
+      </p:nvGrpSpPr>
+      <p:grpSpPr>
+        <a:xfrm>
+          <a:off x="0" y="0"/>
+          <a:ext cx="0" cy="0"/>
+          <a:chOff x="0" y="0"/>
+          <a:chExt cx="0" cy="0"/>
+        </a:xfrm>
+      </p:grpSpPr>
+      <p:sp>
+        <p:nvSpPr>
+          <p:cNvPr id="2" name="Title 1">
+            <a:extLst>
+              <a:ext uri="{FF2B5EF4-FFF2-40B4-BE49-F238E27FC236}">
                 <a16:creationId xmlns:a16="http://schemas.microsoft.com/office/drawing/2014/main" id="{0247BBBA-8F3B-4B3E-8AA5-48AB65331C41}"/>
               </a:ext>
             </a:extLst>
@@ -3547,7 +3661,7 @@
 </p:sld>
 </file>
 
-<file path=ppt/slides/slide11.xml><?xml version="1.0" encoding="utf-8"?>
+<file path=ppt/slides/slide12.xml><?xml version="1.0" encoding="utf-8"?>
 <p:sld xmlns:a="http://schemas.openxmlformats.org/drawingml/2006/main" xmlns:r="http://schemas.openxmlformats.org/officeDocument/2006/relationships" xmlns:p="http://schemas.openxmlformats.org/presentationml/2006/main">
   <p:cSld>
     <p:spTree>
@@ -3657,7 +3771,7 @@
 </p:sld>
 </file>
 
-<file path=ppt/slides/slide12.xml><?xml version="1.0" encoding="utf-8"?>
+<file path=ppt/slides/slide13.xml><?xml version="1.0" encoding="utf-8"?>
 <p:sld xmlns:a="http://schemas.openxmlformats.org/drawingml/2006/main" xmlns:r="http://schemas.openxmlformats.org/officeDocument/2006/relationships" xmlns:p="http://schemas.openxmlformats.org/presentationml/2006/main">
   <p:cSld>
     <p:spTree>
@@ -3767,7 +3881,7 @@
 </p:sld>
 </file>
 
-<file path=ppt/slides/slide13.xml><?xml version="1.0" encoding="utf-8"?>
+<file path=ppt/slides/slide14.xml><?xml version="1.0" encoding="utf-8"?>
 <p:sld xmlns:a="http://schemas.openxmlformats.org/drawingml/2006/main" xmlns:r="http://schemas.openxmlformats.org/officeDocument/2006/relationships" xmlns:p="http://schemas.openxmlformats.org/presentationml/2006/main">
   <p:cSld>
     <p:spTree>
@@ -3877,8 +3991,134 @@
 </p:sld>
 </file>
 
-<file path=ppt/slides/slide14.xml><?xml version="1.0" encoding="utf-8"?>
+<file path=ppt/slides/slide15.xml><?xml version="1.0" encoding="utf-8"?>
 <p:sld xmlns:a="http://schemas.openxmlformats.org/drawingml/2006/main" xmlns:r="http://schemas.openxmlformats.org/officeDocument/2006/relationships" xmlns:p="http://schemas.openxmlformats.org/presentationml/2006/main">
+  <p:cSld>
+    <p:spTree>
+      <p:nvGrpSpPr>
+        <p:cNvPr id="1" name=""/>
+        <p:cNvGrpSpPr/>
+        <p:nvPr/>
+      </p:nvGrpSpPr>
+      <p:grpSpPr>
+        <a:xfrm>
+          <a:off x="0" y="0"/>
+          <a:ext cx="0" cy="0"/>
+          <a:chOff x="0" y="0"/>
+          <a:chExt cx="0" cy="0"/>
+        </a:xfrm>
+      </p:grpSpPr>
+      <p:sp>
+        <p:nvSpPr>
+          <p:cNvPr id="2" name="Titel 1">
+            <a:extLst>
+              <a:ext uri="{FF2B5EF4-FFF2-40B4-BE49-F238E27FC236}">
+                <a16:creationId xmlns:a16="http://schemas.microsoft.com/office/drawing/2014/main" id="{D0D6C101-54AC-4EFB-BBC9-8C5AD545FADF}"/>
+              </a:ext>
+            </a:extLst>
+          </p:cNvPr>
+          <p:cNvSpPr>
+            <a:spLocks noGrp="1"/>
+          </p:cNvSpPr>
+          <p:nvPr>
+            <p:ph type="title"/>
+          </p:nvPr>
+        </p:nvSpPr>
+        <p:spPr/>
+        <p:txBody>
+          <a:bodyPr/>
+          <a:lstStyle/>
+          <a:p>
+            <a:r>
+              <a:rPr lang="de-CH" dirty="0"/>
+              <a:t>XSD: </a:t>
+            </a:r>
+            <a:r>
+              <a:rPr lang="de-CH" dirty="0" err="1"/>
+              <a:t>similar</a:t>
+            </a:r>
+            <a:r>
+              <a:rPr lang="de-CH" dirty="0"/>
+              <a:t> </a:t>
+            </a:r>
+            <a:r>
+              <a:rPr lang="de-CH" dirty="0" err="1"/>
+              <a:t>issues</a:t>
+            </a:r>
+            <a:endParaRPr lang="de-CH" dirty="0"/>
+          </a:p>
+        </p:txBody>
+      </p:sp>
+      <p:sp>
+        <p:nvSpPr>
+          <p:cNvPr id="3" name="Inhaltsplatzhalter 2">
+            <a:extLst>
+              <a:ext uri="{FF2B5EF4-FFF2-40B4-BE49-F238E27FC236}">
+                <a16:creationId xmlns:a16="http://schemas.microsoft.com/office/drawing/2014/main" id="{0C56F6BD-6FE1-4289-8C79-F35F235A5E0E}"/>
+              </a:ext>
+            </a:extLst>
+          </p:cNvPr>
+          <p:cNvSpPr>
+            <a:spLocks noGrp="1"/>
+          </p:cNvSpPr>
+          <p:nvPr>
+            <p:ph idx="1"/>
+          </p:nvPr>
+        </p:nvSpPr>
+        <p:spPr/>
+        <p:txBody>
+          <a:bodyPr/>
+          <a:lstStyle/>
+          <a:p>
+            <a:endParaRPr lang="de-CH"/>
+          </a:p>
+        </p:txBody>
+      </p:sp>
+      <p:pic>
+        <p:nvPicPr>
+          <p:cNvPr id="4" name="Grafik 3">
+            <a:extLst>
+              <a:ext uri="{FF2B5EF4-FFF2-40B4-BE49-F238E27FC236}">
+                <a16:creationId xmlns:a16="http://schemas.microsoft.com/office/drawing/2014/main" id="{9F277926-E3C1-49A4-BA8E-054E54A90DFC}"/>
+              </a:ext>
+            </a:extLst>
+          </p:cNvPr>
+          <p:cNvPicPr>
+            <a:picLocks noChangeAspect="1"/>
+          </p:cNvPicPr>
+          <p:nvPr/>
+        </p:nvPicPr>
+        <p:blipFill>
+          <a:blip r:embed="rId2"/>
+          <a:stretch>
+            <a:fillRect/>
+          </a:stretch>
+        </p:blipFill>
+        <p:spPr>
+          <a:xfrm>
+            <a:off x="906376" y="1825624"/>
+            <a:ext cx="10496950" cy="4351337"/>
+          </a:xfrm>
+          <a:prstGeom prst="rect">
+            <a:avLst/>
+          </a:prstGeom>
+        </p:spPr>
+      </p:pic>
+    </p:spTree>
+    <p:extLst>
+      <p:ext uri="{BB962C8B-B14F-4D97-AF65-F5344CB8AC3E}">
+        <p14:creationId xmlns:p14="http://schemas.microsoft.com/office/powerpoint/2010/main" val="4111070137"/>
+      </p:ext>
+    </p:extLst>
+  </p:cSld>
+  <p:clrMapOvr>
+    <a:masterClrMapping/>
+  </p:clrMapOvr>
+</p:sld>
+</file>
+
+<file path=ppt/slides/slide16.xml><?xml version="1.0" encoding="utf-8"?>
+<p:sld xmlns:a="http://schemas.openxmlformats.org/drawingml/2006/main" xmlns:r="http://schemas.openxmlformats.org/officeDocument/2006/relationships" xmlns:p="http://schemas.openxmlformats.org/presentationml/2006/main" show="0">
   <p:cSld>
     <p:spTree>
       <p:nvGrpSpPr>
@@ -3987,7 +4227,7 @@
 </p:sld>
 </file>
 
-<file path=ppt/slides/slide15.xml><?xml version="1.0" encoding="utf-8"?>
+<file path=ppt/slides/slide17.xml><?xml version="1.0" encoding="utf-8"?>
 <p:sld xmlns:a="http://schemas.openxmlformats.org/drawingml/2006/main" xmlns:r="http://schemas.openxmlformats.org/officeDocument/2006/relationships" xmlns:p="http://schemas.openxmlformats.org/presentationml/2006/main">
   <p:cSld>
     <p:spTree>
@@ -4097,7 +4337,7 @@
 </p:sld>
 </file>
 
-<file path=ppt/slides/slide16.xml><?xml version="1.0" encoding="utf-8"?>
+<file path=ppt/slides/slide18.xml><?xml version="1.0" encoding="utf-8"?>
 <p:sld xmlns:a="http://schemas.openxmlformats.org/drawingml/2006/main" xmlns:r="http://schemas.openxmlformats.org/officeDocument/2006/relationships" xmlns:p="http://schemas.openxmlformats.org/presentationml/2006/main">
   <p:cSld>
     <p:spTree>
@@ -4207,7 +4447,7 @@
 </p:sld>
 </file>
 
-<file path=ppt/slides/slide17.xml><?xml version="1.0" encoding="utf-8"?>
+<file path=ppt/slides/slide19.xml><?xml version="1.0" encoding="utf-8"?>
 <p:sld xmlns:a="http://schemas.openxmlformats.org/drawingml/2006/main" xmlns:r="http://schemas.openxmlformats.org/officeDocument/2006/relationships" xmlns:p="http://schemas.openxmlformats.org/presentationml/2006/main">
   <p:cSld>
     <p:spTree>
@@ -4317,7 +4557,117 @@
 </p:sld>
 </file>
 
-<file path=ppt/slides/slide18.xml><?xml version="1.0" encoding="utf-8"?>
+<file path=ppt/slides/slide2.xml><?xml version="1.0" encoding="utf-8"?>
+<p:sld xmlns:a="http://schemas.openxmlformats.org/drawingml/2006/main" xmlns:r="http://schemas.openxmlformats.org/officeDocument/2006/relationships" xmlns:p="http://schemas.openxmlformats.org/presentationml/2006/main">
+  <p:cSld>
+    <p:spTree>
+      <p:nvGrpSpPr>
+        <p:cNvPr id="1" name=""/>
+        <p:cNvGrpSpPr/>
+        <p:nvPr/>
+      </p:nvGrpSpPr>
+      <p:grpSpPr>
+        <a:xfrm>
+          <a:off x="0" y="0"/>
+          <a:ext cx="0" cy="0"/>
+          <a:chOff x="0" y="0"/>
+          <a:chExt cx="0" cy="0"/>
+        </a:xfrm>
+      </p:grpSpPr>
+      <p:sp>
+        <p:nvSpPr>
+          <p:cNvPr id="2" name="Title 1">
+            <a:extLst>
+              <a:ext uri="{FF2B5EF4-FFF2-40B4-BE49-F238E27FC236}">
+                <a16:creationId xmlns:a16="http://schemas.microsoft.com/office/drawing/2014/main" id="{35080566-6A32-4109-BC49-7B7071F16EF7}"/>
+              </a:ext>
+            </a:extLst>
+          </p:cNvPr>
+          <p:cNvSpPr>
+            <a:spLocks noGrp="1"/>
+          </p:cNvSpPr>
+          <p:nvPr>
+            <p:ph type="title"/>
+          </p:nvPr>
+        </p:nvSpPr>
+        <p:spPr/>
+        <p:txBody>
+          <a:bodyPr/>
+          <a:lstStyle/>
+          <a:p>
+            <a:endParaRPr lang="en-US"/>
+          </a:p>
+        </p:txBody>
+      </p:sp>
+      <p:sp>
+        <p:nvSpPr>
+          <p:cNvPr id="3" name="Content Placeholder 2">
+            <a:extLst>
+              <a:ext uri="{FF2B5EF4-FFF2-40B4-BE49-F238E27FC236}">
+                <a16:creationId xmlns:a16="http://schemas.microsoft.com/office/drawing/2014/main" id="{92F1B958-8E2B-478F-BA1F-44A988B895AB}"/>
+              </a:ext>
+            </a:extLst>
+          </p:cNvPr>
+          <p:cNvSpPr>
+            <a:spLocks noGrp="1"/>
+          </p:cNvSpPr>
+          <p:nvPr>
+            <p:ph idx="1"/>
+          </p:nvPr>
+        </p:nvSpPr>
+        <p:spPr/>
+        <p:txBody>
+          <a:bodyPr/>
+          <a:lstStyle/>
+          <a:p>
+            <a:endParaRPr lang="en-US"/>
+          </a:p>
+        </p:txBody>
+      </p:sp>
+      <p:pic>
+        <p:nvPicPr>
+          <p:cNvPr id="4" name="Picture 3">
+            <a:extLst>
+              <a:ext uri="{FF2B5EF4-FFF2-40B4-BE49-F238E27FC236}">
+                <a16:creationId xmlns:a16="http://schemas.microsoft.com/office/drawing/2014/main" id="{BCB35B64-4773-4DE0-A59D-860B2130820C}"/>
+              </a:ext>
+            </a:extLst>
+          </p:cNvPr>
+          <p:cNvPicPr>
+            <a:picLocks noChangeAspect="1"/>
+          </p:cNvPicPr>
+          <p:nvPr/>
+        </p:nvPicPr>
+        <p:blipFill>
+          <a:blip r:embed="rId2"/>
+          <a:stretch>
+            <a:fillRect/>
+          </a:stretch>
+        </p:blipFill>
+        <p:spPr>
+          <a:xfrm>
+            <a:off x="0" y="-1"/>
+            <a:ext cx="12069027" cy="6664271"/>
+          </a:xfrm>
+          <a:prstGeom prst="rect">
+            <a:avLst/>
+          </a:prstGeom>
+        </p:spPr>
+      </p:pic>
+    </p:spTree>
+    <p:extLst>
+      <p:ext uri="{BB962C8B-B14F-4D97-AF65-F5344CB8AC3E}">
+        <p14:creationId xmlns:p14="http://schemas.microsoft.com/office/powerpoint/2010/main" val="1616771134"/>
+      </p:ext>
+    </p:extLst>
+  </p:cSld>
+  <p:clrMapOvr>
+    <a:masterClrMapping/>
+  </p:clrMapOvr>
+</p:sld>
+</file>
+
+<file path=ppt/slides/slide20.xml><?xml version="1.0" encoding="utf-8"?>
 <p:sld xmlns:a="http://schemas.openxmlformats.org/drawingml/2006/main" xmlns:r="http://schemas.openxmlformats.org/officeDocument/2006/relationships" xmlns:p="http://schemas.openxmlformats.org/presentationml/2006/main">
   <p:cSld>
     <p:spTree>
@@ -4427,7 +4777,7 @@
 </p:sld>
 </file>
 
-<file path=ppt/slides/slide19.xml><?xml version="1.0" encoding="utf-8"?>
+<file path=ppt/slides/slide21.xml><?xml version="1.0" encoding="utf-8"?>
 <p:sld xmlns:a="http://schemas.openxmlformats.org/drawingml/2006/main" xmlns:r="http://schemas.openxmlformats.org/officeDocument/2006/relationships" xmlns:p="http://schemas.openxmlformats.org/presentationml/2006/main">
   <p:cSld>
     <p:spTree>
@@ -4537,7 +4887,7 @@
 </p:sld>
 </file>
 
-<file path=ppt/slides/slide2.xml><?xml version="1.0" encoding="utf-8"?>
+<file path=ppt/slides/slide22.xml><?xml version="1.0" encoding="utf-8"?>
 <p:sld xmlns:a="http://schemas.openxmlformats.org/drawingml/2006/main" xmlns:r="http://schemas.openxmlformats.org/officeDocument/2006/relationships" xmlns:p="http://schemas.openxmlformats.org/presentationml/2006/main">
   <p:cSld>
     <p:spTree>
@@ -4556,10 +4906,10 @@
       </p:grpSpPr>
       <p:sp>
         <p:nvSpPr>
-          <p:cNvPr id="2" name="Title 1">
-            <a:extLst>
-              <a:ext uri="{FF2B5EF4-FFF2-40B4-BE49-F238E27FC236}">
-                <a16:creationId xmlns:a16="http://schemas.microsoft.com/office/drawing/2014/main" id="{35080566-6A32-4109-BC49-7B7071F16EF7}"/>
+          <p:cNvPr id="2" name="Titel 1">
+            <a:extLst>
+              <a:ext uri="{FF2B5EF4-FFF2-40B4-BE49-F238E27FC236}">
+                <a16:creationId xmlns:a16="http://schemas.microsoft.com/office/drawing/2014/main" id="{225AC902-512B-4778-8CA0-3E45A2E64C19}"/>
               </a:ext>
             </a:extLst>
           </p:cNvPr>
@@ -4570,74 +4920,223 @@
             <p:ph type="title"/>
           </p:nvPr>
         </p:nvSpPr>
-        <p:spPr/>
-        <p:txBody>
-          <a:bodyPr/>
-          <a:lstStyle/>
-          <a:p>
-            <a:endParaRPr lang="en-US"/>
-          </a:p>
-        </p:txBody>
-      </p:sp>
-      <p:sp>
-        <p:nvSpPr>
-          <p:cNvPr id="3" name="Content Placeholder 2">
-            <a:extLst>
-              <a:ext uri="{FF2B5EF4-FFF2-40B4-BE49-F238E27FC236}">
-                <a16:creationId xmlns:a16="http://schemas.microsoft.com/office/drawing/2014/main" id="{92F1B958-8E2B-478F-BA1F-44A988B895AB}"/>
-              </a:ext>
-            </a:extLst>
-          </p:cNvPr>
-          <p:cNvSpPr>
-            <a:spLocks noGrp="1"/>
-          </p:cNvSpPr>
-          <p:nvPr>
-            <p:ph idx="1"/>
-          </p:nvPr>
-        </p:nvSpPr>
-        <p:spPr/>
-        <p:txBody>
-          <a:bodyPr/>
-          <a:lstStyle/>
-          <a:p>
-            <a:endParaRPr lang="en-US"/>
-          </a:p>
-        </p:txBody>
-      </p:sp>
-      <p:pic>
-        <p:nvPicPr>
-          <p:cNvPr id="4" name="Picture 3">
-            <a:extLst>
-              <a:ext uri="{FF2B5EF4-FFF2-40B4-BE49-F238E27FC236}">
-                <a16:creationId xmlns:a16="http://schemas.microsoft.com/office/drawing/2014/main" id="{BCB35B64-4773-4DE0-A59D-860B2130820C}"/>
-              </a:ext>
-            </a:extLst>
-          </p:cNvPr>
-          <p:cNvPicPr>
-            <a:picLocks noChangeAspect="1"/>
-          </p:cNvPicPr>
-          <p:nvPr/>
-        </p:nvPicPr>
-        <p:blipFill>
-          <a:blip r:embed="rId2"/>
-          <a:stretch>
-            <a:fillRect/>
-          </a:stretch>
-        </p:blipFill>
         <p:spPr>
           <a:xfrm>
-            <a:off x="0" y="-1"/>
-            <a:ext cx="12069027" cy="6664271"/>
+            <a:off x="838200" y="365125"/>
+            <a:ext cx="10515600" cy="4744757"/>
           </a:xfrm>
-          <a:prstGeom prst="rect">
-            <a:avLst/>
-          </a:prstGeom>
         </p:spPr>
-      </p:pic>
+        <p:txBody>
+          <a:bodyPr>
+            <a:normAutofit fontScale="90000"/>
+          </a:bodyPr>
+          <a:lstStyle/>
+          <a:p>
+            <a:r>
+              <a:rPr lang="en-US" sz="4000" b="1" dirty="0"/>
+              <a:t>Input Validation</a:t>
+            </a:r>
+            <a:br>
+              <a:rPr lang="en-US" sz="3200" dirty="0"/>
+            </a:br>
+            <a:br>
+              <a:rPr lang="en-US" sz="3600" dirty="0"/>
+            </a:br>
+            <a:r>
+              <a:rPr lang="en-US" sz="3600" dirty="0"/>
+              <a:t>Data from all potentially </a:t>
+            </a:r>
+            <a:r>
+              <a:rPr lang="en-US" sz="3600" b="1" dirty="0"/>
+              <a:t>untrusted sources </a:t>
+            </a:r>
+            <a:r>
+              <a:rPr lang="en-US" sz="3600" dirty="0"/>
+              <a:t>should be subject to </a:t>
+            </a:r>
+            <a:r>
+              <a:rPr lang="en-US" sz="3600" b="1" dirty="0"/>
+              <a:t>input validation</a:t>
+            </a:r>
+            <a:r>
+              <a:rPr lang="en-US" sz="3600" dirty="0"/>
+              <a:t>, including not only Internet-facing web clients but also backend feeds over extranets, from suppliers, partners, vendors or regulators, each of which may be compromised on their own and start sending malformed data.</a:t>
+            </a:r>
+            <a:br>
+              <a:rPr lang="de-CH" sz="3600" dirty="0"/>
+            </a:br>
+            <a:br>
+              <a:rPr lang="de-CH" sz="3600" dirty="0"/>
+            </a:br>
+            <a:br>
+              <a:rPr lang="de-CH" sz="3600" b="1" dirty="0"/>
+            </a:br>
+            <a:endParaRPr lang="de-CH" sz="3600" dirty="0"/>
+          </a:p>
+        </p:txBody>
+      </p:sp>
+      <p:sp>
+        <p:nvSpPr>
+          <p:cNvPr id="3" name="Inhaltsplatzhalter 2">
+            <a:extLst>
+              <a:ext uri="{FF2B5EF4-FFF2-40B4-BE49-F238E27FC236}">
+                <a16:creationId xmlns:a16="http://schemas.microsoft.com/office/drawing/2014/main" id="{109AF25D-A813-49B1-B1F5-40AAC89DA713}"/>
+              </a:ext>
+            </a:extLst>
+          </p:cNvPr>
+          <p:cNvSpPr>
+            <a:spLocks noGrp="1"/>
+          </p:cNvSpPr>
+          <p:nvPr>
+            <p:ph idx="1"/>
+          </p:nvPr>
+        </p:nvSpPr>
+        <p:spPr>
+          <a:xfrm>
+            <a:off x="838200" y="5593882"/>
+            <a:ext cx="10515600" cy="995177"/>
+          </a:xfrm>
+        </p:spPr>
+        <p:txBody>
+          <a:bodyPr/>
+          <a:lstStyle/>
+          <a:p>
+            <a:r>
+              <a:rPr lang="de-CH" dirty="0">
+                <a:hlinkClick r:id="rId2"/>
+              </a:rPr>
+              <a:t>https://cheatsheetseries.owasp.org/cheatsheets/Input_Validation_Cheat_Sheet.html</a:t>
+            </a:r>
+            <a:endParaRPr lang="de-CH" dirty="0"/>
+          </a:p>
+        </p:txBody>
+      </p:sp>
     </p:spTree>
     <p:extLst>
       <p:ext uri="{BB962C8B-B14F-4D97-AF65-F5344CB8AC3E}">
-        <p14:creationId xmlns:p14="http://schemas.microsoft.com/office/powerpoint/2010/main" val="1616771134"/>
+        <p14:creationId xmlns:p14="http://schemas.microsoft.com/office/powerpoint/2010/main" val="1757897557"/>
+      </p:ext>
+    </p:extLst>
+  </p:cSld>
+  <p:clrMapOvr>
+    <a:masterClrMapping/>
+  </p:clrMapOvr>
+</p:sld>
+</file>
+
+<file path=ppt/slides/slide23.xml><?xml version="1.0" encoding="utf-8"?>
+<p:sld xmlns:a="http://schemas.openxmlformats.org/drawingml/2006/main" xmlns:r="http://schemas.openxmlformats.org/officeDocument/2006/relationships" xmlns:p="http://schemas.openxmlformats.org/presentationml/2006/main">
+  <p:cSld>
+    <p:spTree>
+      <p:nvGrpSpPr>
+        <p:cNvPr id="1" name=""/>
+        <p:cNvGrpSpPr/>
+        <p:nvPr/>
+      </p:nvGrpSpPr>
+      <p:grpSpPr>
+        <a:xfrm>
+          <a:off x="0" y="0"/>
+          <a:ext cx="0" cy="0"/>
+          <a:chOff x="0" y="0"/>
+          <a:chExt cx="0" cy="0"/>
+        </a:xfrm>
+      </p:grpSpPr>
+      <p:sp>
+        <p:nvSpPr>
+          <p:cNvPr id="2" name="Titel 1">
+            <a:extLst>
+              <a:ext uri="{FF2B5EF4-FFF2-40B4-BE49-F238E27FC236}">
+                <a16:creationId xmlns:a16="http://schemas.microsoft.com/office/drawing/2014/main" id="{F00DF349-56D5-45F3-8F3E-568DD94E55F7}"/>
+              </a:ext>
+            </a:extLst>
+          </p:cNvPr>
+          <p:cNvSpPr>
+            <a:spLocks noGrp="1"/>
+          </p:cNvSpPr>
+          <p:nvPr>
+            <p:ph type="title"/>
+          </p:nvPr>
+        </p:nvSpPr>
+        <p:spPr/>
+        <p:txBody>
+          <a:bodyPr/>
+          <a:lstStyle/>
+          <a:p>
+            <a:r>
+              <a:rPr lang="en-US" b="1" dirty="0"/>
+              <a:t>Input Validation</a:t>
+            </a:r>
+            <a:endParaRPr lang="de-CH" dirty="0"/>
+          </a:p>
+        </p:txBody>
+      </p:sp>
+      <p:sp>
+        <p:nvSpPr>
+          <p:cNvPr id="3" name="Inhaltsplatzhalter 2">
+            <a:extLst>
+              <a:ext uri="{FF2B5EF4-FFF2-40B4-BE49-F238E27FC236}">
+                <a16:creationId xmlns:a16="http://schemas.microsoft.com/office/drawing/2014/main" id="{399DA475-AFB9-49D2-80E2-1F6A9E2F3BB8}"/>
+              </a:ext>
+            </a:extLst>
+          </p:cNvPr>
+          <p:cNvSpPr>
+            <a:spLocks noGrp="1"/>
+          </p:cNvSpPr>
+          <p:nvPr>
+            <p:ph idx="1"/>
+          </p:nvPr>
+        </p:nvSpPr>
+        <p:spPr/>
+        <p:txBody>
+          <a:bodyPr/>
+          <a:lstStyle/>
+          <a:p>
+            <a:pPr marL="0" indent="0">
+              <a:buNone/>
+            </a:pPr>
+            <a:r>
+              <a:rPr lang="de-CH" dirty="0"/>
+              <a:t>Whitelisting </a:t>
+            </a:r>
+            <a:r>
+              <a:rPr lang="de-CH" dirty="0" err="1"/>
+              <a:t>vs</a:t>
+            </a:r>
+            <a:r>
+              <a:rPr lang="de-CH" dirty="0"/>
+              <a:t> </a:t>
+            </a:r>
+            <a:r>
+              <a:rPr lang="de-CH" dirty="0" err="1"/>
+              <a:t>blacklisting</a:t>
+            </a:r>
+            <a:endParaRPr lang="de-CH" dirty="0"/>
+          </a:p>
+          <a:p>
+            <a:pPr marL="0" indent="0">
+              <a:buNone/>
+            </a:pPr>
+            <a:endParaRPr lang="de-CH" dirty="0"/>
+          </a:p>
+          <a:p>
+            <a:pPr marL="0" indent="0">
+              <a:buNone/>
+            </a:pPr>
+            <a:r>
+              <a:rPr lang="de-CH"/>
+              <a:t>Prüfen</a:t>
+            </a:r>
+            <a:r>
+              <a:rPr lang="de-CH" dirty="0"/>
+              <a:t>, ob der Input dem entspricht was erwartet wird.</a:t>
+            </a:r>
+          </a:p>
+        </p:txBody>
+      </p:sp>
+    </p:spTree>
+    <p:extLst>
+      <p:ext uri="{BB962C8B-B14F-4D97-AF65-F5344CB8AC3E}">
+        <p14:creationId xmlns:p14="http://schemas.microsoft.com/office/powerpoint/2010/main" val="1268459773"/>
       </p:ext>
     </p:extLst>
   </p:cSld>
@@ -5026,6 +5525,127 @@
       </p:grpSpPr>
       <p:sp>
         <p:nvSpPr>
+          <p:cNvPr id="2" name="Titel 1">
+            <a:extLst>
+              <a:ext uri="{FF2B5EF4-FFF2-40B4-BE49-F238E27FC236}">
+                <a16:creationId xmlns:a16="http://schemas.microsoft.com/office/drawing/2014/main" id="{DF2CF63D-B28D-433F-ABBD-708DDC2332E1}"/>
+              </a:ext>
+            </a:extLst>
+          </p:cNvPr>
+          <p:cNvSpPr>
+            <a:spLocks noGrp="1"/>
+          </p:cNvSpPr>
+          <p:nvPr>
+            <p:ph type="title"/>
+          </p:nvPr>
+        </p:nvSpPr>
+        <p:spPr/>
+        <p:txBody>
+          <a:bodyPr/>
+          <a:lstStyle/>
+          <a:p>
+            <a:endParaRPr lang="de-CH"/>
+          </a:p>
+        </p:txBody>
+      </p:sp>
+      <p:sp>
+        <p:nvSpPr>
+          <p:cNvPr id="3" name="Inhaltsplatzhalter 2">
+            <a:extLst>
+              <a:ext uri="{FF2B5EF4-FFF2-40B4-BE49-F238E27FC236}">
+                <a16:creationId xmlns:a16="http://schemas.microsoft.com/office/drawing/2014/main" id="{9021D18B-F1CB-4256-858A-94FDA0328FDA}"/>
+              </a:ext>
+            </a:extLst>
+          </p:cNvPr>
+          <p:cNvSpPr>
+            <a:spLocks noGrp="1"/>
+          </p:cNvSpPr>
+          <p:nvPr>
+            <p:ph idx="1"/>
+          </p:nvPr>
+        </p:nvSpPr>
+        <p:spPr>
+          <a:xfrm>
+            <a:off x="838200" y="4787153"/>
+            <a:ext cx="10591800" cy="1389810"/>
+          </a:xfrm>
+        </p:spPr>
+        <p:txBody>
+          <a:bodyPr/>
+          <a:lstStyle/>
+          <a:p>
+            <a:r>
+              <a:rPr lang="de-CH" dirty="0">
+                <a:hlinkClick r:id="rId2"/>
+              </a:rPr>
+              <a:t>https://wiki.selfhtml.org/wiki/XML/DTD/Entities#Parameter_Entities_f.C3.BCr_komplexere_DTDs</a:t>
+            </a:r>
+            <a:endParaRPr lang="de-CH" dirty="0"/>
+          </a:p>
+        </p:txBody>
+      </p:sp>
+      <p:pic>
+        <p:nvPicPr>
+          <p:cNvPr id="4" name="Grafik 3">
+            <a:extLst>
+              <a:ext uri="{FF2B5EF4-FFF2-40B4-BE49-F238E27FC236}">
+                <a16:creationId xmlns:a16="http://schemas.microsoft.com/office/drawing/2014/main" id="{656474DE-9147-4975-ADE7-4FD605F6A273}"/>
+              </a:ext>
+            </a:extLst>
+          </p:cNvPr>
+          <p:cNvPicPr>
+            <a:picLocks noChangeAspect="1"/>
+          </p:cNvPicPr>
+          <p:nvPr/>
+        </p:nvPicPr>
+        <p:blipFill>
+          <a:blip r:embed="rId3"/>
+          <a:stretch>
+            <a:fillRect/>
+          </a:stretch>
+        </p:blipFill>
+        <p:spPr>
+          <a:xfrm>
+            <a:off x="915637" y="810168"/>
+            <a:ext cx="9562275" cy="3426785"/>
+          </a:xfrm>
+          <a:prstGeom prst="rect">
+            <a:avLst/>
+          </a:prstGeom>
+        </p:spPr>
+      </p:pic>
+    </p:spTree>
+    <p:extLst>
+      <p:ext uri="{BB962C8B-B14F-4D97-AF65-F5344CB8AC3E}">
+        <p14:creationId xmlns:p14="http://schemas.microsoft.com/office/powerpoint/2010/main" val="2831178140"/>
+      </p:ext>
+    </p:extLst>
+  </p:cSld>
+  <p:clrMapOvr>
+    <a:masterClrMapping/>
+  </p:clrMapOvr>
+</p:sld>
+</file>
+
+<file path=ppt/slides/slide7.xml><?xml version="1.0" encoding="utf-8"?>
+<p:sld xmlns:a="http://schemas.openxmlformats.org/drawingml/2006/main" xmlns:r="http://schemas.openxmlformats.org/officeDocument/2006/relationships" xmlns:p="http://schemas.openxmlformats.org/presentationml/2006/main">
+  <p:cSld>
+    <p:spTree>
+      <p:nvGrpSpPr>
+        <p:cNvPr id="1" name=""/>
+        <p:cNvGrpSpPr/>
+        <p:nvPr/>
+      </p:nvGrpSpPr>
+      <p:grpSpPr>
+        <a:xfrm>
+          <a:off x="0" y="0"/>
+          <a:ext cx="0" cy="0"/>
+          <a:chOff x="0" y="0"/>
+          <a:chExt cx="0" cy="0"/>
+        </a:xfrm>
+      </p:grpSpPr>
+      <p:sp>
+        <p:nvSpPr>
           <p:cNvPr id="2" name="Title 1">
             <a:extLst>
               <a:ext uri="{FF2B5EF4-FFF2-40B4-BE49-F238E27FC236}">
@@ -5117,7 +5737,7 @@
 </p:sld>
 </file>
 
-<file path=ppt/slides/slide7.xml><?xml version="1.0" encoding="utf-8"?>
+<file path=ppt/slides/slide8.xml><?xml version="1.0" encoding="utf-8"?>
 <p:sld xmlns:a="http://schemas.openxmlformats.org/drawingml/2006/main" xmlns:r="http://schemas.openxmlformats.org/officeDocument/2006/relationships" xmlns:p="http://schemas.openxmlformats.org/presentationml/2006/main">
   <p:cSld>
     <p:spTree>
@@ -5227,7 +5847,7 @@
 </p:sld>
 </file>
 
-<file path=ppt/slides/slide8.xml><?xml version="1.0" encoding="utf-8"?>
+<file path=ppt/slides/slide9.xml><?xml version="1.0" encoding="utf-8"?>
 <p:sld xmlns:a="http://schemas.openxmlformats.org/drawingml/2006/main" xmlns:r="http://schemas.openxmlformats.org/officeDocument/2006/relationships" xmlns:p="http://schemas.openxmlformats.org/presentationml/2006/main">
   <p:cSld>
     <p:spTree>
@@ -5328,116 +5948,6 @@
     <p:extLst>
       <p:ext uri="{BB962C8B-B14F-4D97-AF65-F5344CB8AC3E}">
         <p14:creationId xmlns:p14="http://schemas.microsoft.com/office/powerpoint/2010/main" val="2497473489"/>
-      </p:ext>
-    </p:extLst>
-  </p:cSld>
-  <p:clrMapOvr>
-    <a:masterClrMapping/>
-  </p:clrMapOvr>
-</p:sld>
-</file>
-
-<file path=ppt/slides/slide9.xml><?xml version="1.0" encoding="utf-8"?>
-<p:sld xmlns:a="http://schemas.openxmlformats.org/drawingml/2006/main" xmlns:r="http://schemas.openxmlformats.org/officeDocument/2006/relationships" xmlns:p="http://schemas.openxmlformats.org/presentationml/2006/main">
-  <p:cSld>
-    <p:spTree>
-      <p:nvGrpSpPr>
-        <p:cNvPr id="1" name=""/>
-        <p:cNvGrpSpPr/>
-        <p:nvPr/>
-      </p:nvGrpSpPr>
-      <p:grpSpPr>
-        <a:xfrm>
-          <a:off x="0" y="0"/>
-          <a:ext cx="0" cy="0"/>
-          <a:chOff x="0" y="0"/>
-          <a:chExt cx="0" cy="0"/>
-        </a:xfrm>
-      </p:grpSpPr>
-      <p:sp>
-        <p:nvSpPr>
-          <p:cNvPr id="2" name="Title 1">
-            <a:extLst>
-              <a:ext uri="{FF2B5EF4-FFF2-40B4-BE49-F238E27FC236}">
-                <a16:creationId xmlns:a16="http://schemas.microsoft.com/office/drawing/2014/main" id="{0F013DBB-9FEA-401C-A72A-B194170918DD}"/>
-              </a:ext>
-            </a:extLst>
-          </p:cNvPr>
-          <p:cNvSpPr>
-            <a:spLocks noGrp="1"/>
-          </p:cNvSpPr>
-          <p:nvPr>
-            <p:ph type="title"/>
-          </p:nvPr>
-        </p:nvSpPr>
-        <p:spPr/>
-        <p:txBody>
-          <a:bodyPr/>
-          <a:lstStyle/>
-          <a:p>
-            <a:endParaRPr lang="en-US"/>
-          </a:p>
-        </p:txBody>
-      </p:sp>
-      <p:sp>
-        <p:nvSpPr>
-          <p:cNvPr id="3" name="Content Placeholder 2">
-            <a:extLst>
-              <a:ext uri="{FF2B5EF4-FFF2-40B4-BE49-F238E27FC236}">
-                <a16:creationId xmlns:a16="http://schemas.microsoft.com/office/drawing/2014/main" id="{E8E64700-C614-40A1-9833-026DEABEB847}"/>
-              </a:ext>
-            </a:extLst>
-          </p:cNvPr>
-          <p:cNvSpPr>
-            <a:spLocks noGrp="1"/>
-          </p:cNvSpPr>
-          <p:nvPr>
-            <p:ph idx="1"/>
-          </p:nvPr>
-        </p:nvSpPr>
-        <p:spPr/>
-        <p:txBody>
-          <a:bodyPr/>
-          <a:lstStyle/>
-          <a:p>
-            <a:endParaRPr lang="en-US"/>
-          </a:p>
-        </p:txBody>
-      </p:sp>
-      <p:pic>
-        <p:nvPicPr>
-          <p:cNvPr id="4" name="Picture 3">
-            <a:extLst>
-              <a:ext uri="{FF2B5EF4-FFF2-40B4-BE49-F238E27FC236}">
-                <a16:creationId xmlns:a16="http://schemas.microsoft.com/office/drawing/2014/main" id="{6CF9E74A-348F-4848-A9F6-D69F90E3E31E}"/>
-              </a:ext>
-            </a:extLst>
-          </p:cNvPr>
-          <p:cNvPicPr>
-            <a:picLocks noChangeAspect="1"/>
-          </p:cNvPicPr>
-          <p:nvPr/>
-        </p:nvPicPr>
-        <p:blipFill>
-          <a:blip r:embed="rId2"/>
-          <a:stretch>
-            <a:fillRect/>
-          </a:stretch>
-        </p:blipFill>
-        <p:spPr>
-          <a:xfrm>
-            <a:off x="0" y="-8731"/>
-            <a:ext cx="12379688" cy="6866731"/>
-          </a:xfrm>
-          <a:prstGeom prst="rect">
-            <a:avLst/>
-          </a:prstGeom>
-        </p:spPr>
-      </p:pic>
-    </p:spTree>
-    <p:extLst>
-      <p:ext uri="{BB962C8B-B14F-4D97-AF65-F5344CB8AC3E}">
-        <p14:creationId xmlns:p14="http://schemas.microsoft.com/office/powerpoint/2010/main" val="2296781223"/>
       </p:ext>
     </p:extLst>
   </p:cSld>
